--- a/Juan Esteban Aristizábal Vásquez.pptx
+++ b/Juan Esteban Aristizábal Vásquez.pptx
@@ -107,6 +107,11 @@
       </a:defRPr>
     </a:lvl9pPr>
   </p:defaultTextStyle>
+  <p:extLst>
+    <p:ext uri="{EFAFB233-063F-42B5-8137-9DF3F51BA10A}">
+      <p15:sldGuideLst xmlns:p15="http://schemas.microsoft.com/office/powerpoint/2012/main"/>
+    </p:ext>
+  </p:extLst>
 </p:presentation>
 </file>
 
@@ -261,7 +266,7 @@
           <a:p>
             <a:fld id="{2F3E8B1C-86EF-43CF-8304-249481088644}" type="datetimeFigureOut">
               <a:rPr lang="en-US" smtClean="0"/>
-              <a:t>3/30/2022</a:t>
+              <a:t>3/31/2022</a:t>
             </a:fld>
             <a:endParaRPr lang="en-US"/>
           </a:p>
@@ -459,7 +464,7 @@
           <a:p>
             <a:fld id="{2F3E8B1C-86EF-43CF-8304-249481088644}" type="datetimeFigureOut">
               <a:rPr lang="en-US" smtClean="0"/>
-              <a:t>3/30/2022</a:t>
+              <a:t>3/31/2022</a:t>
             </a:fld>
             <a:endParaRPr lang="en-US"/>
           </a:p>
@@ -667,7 +672,7 @@
           <a:p>
             <a:fld id="{2F3E8B1C-86EF-43CF-8304-249481088644}" type="datetimeFigureOut">
               <a:rPr lang="en-US" smtClean="0"/>
-              <a:t>3/30/2022</a:t>
+              <a:t>3/31/2022</a:t>
             </a:fld>
             <a:endParaRPr lang="en-US"/>
           </a:p>
@@ -865,7 +870,7 @@
           <a:p>
             <a:fld id="{2F3E8B1C-86EF-43CF-8304-249481088644}" type="datetimeFigureOut">
               <a:rPr lang="en-US" smtClean="0"/>
-              <a:t>3/30/2022</a:t>
+              <a:t>3/31/2022</a:t>
             </a:fld>
             <a:endParaRPr lang="en-US"/>
           </a:p>
@@ -1140,7 +1145,7 @@
           <a:p>
             <a:fld id="{2F3E8B1C-86EF-43CF-8304-249481088644}" type="datetimeFigureOut">
               <a:rPr lang="en-US" smtClean="0"/>
-              <a:t>3/30/2022</a:t>
+              <a:t>3/31/2022</a:t>
             </a:fld>
             <a:endParaRPr lang="en-US"/>
           </a:p>
@@ -1410,7 +1415,7 @@
           <a:p>
             <a:fld id="{2F3E8B1C-86EF-43CF-8304-249481088644}" type="datetimeFigureOut">
               <a:rPr lang="en-US" smtClean="0"/>
-              <a:t>3/30/2022</a:t>
+              <a:t>3/31/2022</a:t>
             </a:fld>
             <a:endParaRPr lang="en-US"/>
           </a:p>
@@ -1830,7 +1835,7 @@
           <a:p>
             <a:fld id="{2F3E8B1C-86EF-43CF-8304-249481088644}" type="datetimeFigureOut">
               <a:rPr lang="en-US" smtClean="0"/>
-              <a:t>3/30/2022</a:t>
+              <a:t>3/31/2022</a:t>
             </a:fld>
             <a:endParaRPr lang="en-US"/>
           </a:p>
@@ -1971,7 +1976,7 @@
           <a:p>
             <a:fld id="{2F3E8B1C-86EF-43CF-8304-249481088644}" type="datetimeFigureOut">
               <a:rPr lang="en-US" smtClean="0"/>
-              <a:t>3/30/2022</a:t>
+              <a:t>3/31/2022</a:t>
             </a:fld>
             <a:endParaRPr lang="en-US"/>
           </a:p>
@@ -2084,7 +2089,7 @@
           <a:p>
             <a:fld id="{2F3E8B1C-86EF-43CF-8304-249481088644}" type="datetimeFigureOut">
               <a:rPr lang="en-US" smtClean="0"/>
-              <a:t>3/30/2022</a:t>
+              <a:t>3/31/2022</a:t>
             </a:fld>
             <a:endParaRPr lang="en-US"/>
           </a:p>
@@ -2395,7 +2400,7 @@
           <a:p>
             <a:fld id="{2F3E8B1C-86EF-43CF-8304-249481088644}" type="datetimeFigureOut">
               <a:rPr lang="en-US" smtClean="0"/>
-              <a:t>3/30/2022</a:t>
+              <a:t>3/31/2022</a:t>
             </a:fld>
             <a:endParaRPr lang="en-US"/>
           </a:p>
@@ -2683,7 +2688,7 @@
           <a:p>
             <a:fld id="{2F3E8B1C-86EF-43CF-8304-249481088644}" type="datetimeFigureOut">
               <a:rPr lang="en-US" smtClean="0"/>
-              <a:t>3/30/2022</a:t>
+              <a:t>3/31/2022</a:t>
             </a:fld>
             <a:endParaRPr lang="en-US"/>
           </a:p>
@@ -2924,7 +2929,7 @@
             <a:fld id="{2F3E8B1C-86EF-43CF-8304-249481088644}" type="datetimeFigureOut">
               <a:rPr lang="en-US" smtClean="0"/>
               <a:pPr/>
-              <a:t>3/30/2022</a:t>
+              <a:t>3/31/2022</a:t>
             </a:fld>
             <a:endParaRPr lang="en-US" dirty="0"/>
           </a:p>
@@ -4661,10 +4666,10 @@
       </p:cxnSp>
       <p:pic>
         <p:nvPicPr>
-          <p:cNvPr id="54" name="Imagen 53" descr="Un hombre con una guitarra&#10;&#10;Descripción generada automáticamente con confianza media">
-            <a:extLst>
-              <a:ext uri="{FF2B5EF4-FFF2-40B4-BE49-F238E27FC236}">
-                <a16:creationId xmlns:a16="http://schemas.microsoft.com/office/drawing/2014/main" id="{DA3E1506-4D5B-483D-A32B-DDEBCA2283BF}"/>
+          <p:cNvPr id="11" name="Marcador de contenido 10" descr="Imagen de la pantalla de un video juego&#10;&#10;Descripción generada automáticamente con confianza baja">
+            <a:extLst>
+              <a:ext uri="{FF2B5EF4-FFF2-40B4-BE49-F238E27FC236}">
+                <a16:creationId xmlns:a16="http://schemas.microsoft.com/office/drawing/2014/main" id="{19331D32-445A-4643-8D5A-501F3EC2217E}"/>
               </a:ext>
             </a:extLst>
           </p:cNvPr>
@@ -4675,41 +4680,6 @@
         </p:nvPicPr>
         <p:blipFill rotWithShape="1">
           <a:blip r:embed="rId2">
-            <a:extLst>
-              <a:ext uri="{28A0092B-C50C-407E-A947-70E740481C1C}">
-                <a14:useLocalDpi xmlns:a14="http://schemas.microsoft.com/office/drawing/2010/main" val="0"/>
-              </a:ext>
-            </a:extLst>
-          </a:blip>
-          <a:srcRect l="5647" r="5644" b="-3"/>
-          <a:stretch/>
-        </p:blipFill>
-        <p:spPr>
-          <a:xfrm>
-            <a:off x="6551034" y="2443428"/>
-            <a:ext cx="3615457" cy="2461204"/>
-          </a:xfrm>
-          <a:prstGeom prst="rect">
-            <a:avLst/>
-          </a:prstGeom>
-        </p:spPr>
-      </p:pic>
-      <p:pic>
-        <p:nvPicPr>
-          <p:cNvPr id="11" name="Marcador de contenido 10" descr="Imagen de la pantalla de un video juego&#10;&#10;Descripción generada automáticamente con confianza baja">
-            <a:extLst>
-              <a:ext uri="{FF2B5EF4-FFF2-40B4-BE49-F238E27FC236}">
-                <a16:creationId xmlns:a16="http://schemas.microsoft.com/office/drawing/2014/main" id="{19331D32-445A-4643-8D5A-501F3EC2217E}"/>
-              </a:ext>
-            </a:extLst>
-          </p:cNvPr>
-          <p:cNvPicPr>
-            <a:picLocks noChangeAspect="1"/>
-          </p:cNvPicPr>
-          <p:nvPr/>
-        </p:nvPicPr>
-        <p:blipFill rotWithShape="1">
-          <a:blip r:embed="rId3">
             <a:extLst>
               <a:ext uri="{28A0092B-C50C-407E-A947-70E740481C1C}">
                 <a14:useLocalDpi xmlns:a14="http://schemas.microsoft.com/office/drawing/2010/main" val="0"/>
@@ -4781,6 +4751,42 @@
           </a:fontRef>
         </p:style>
       </p:cxnSp>
+      <p:pic>
+        <p:nvPicPr>
+          <p:cNvPr id="10" name="Imagen 9" descr="Un hombre con una guitarra en la mano&#10;&#10;Descripción generada automáticamente con confianza media">
+            <a:extLst>
+              <a:ext uri="{FF2B5EF4-FFF2-40B4-BE49-F238E27FC236}">
+                <a16:creationId xmlns:a16="http://schemas.microsoft.com/office/drawing/2014/main" id="{9943BF3B-D31B-45C6-9B8D-D379394049AF}"/>
+              </a:ext>
+            </a:extLst>
+          </p:cNvPr>
+          <p:cNvPicPr>
+            <a:picLocks noChangeAspect="1"/>
+          </p:cNvPicPr>
+          <p:nvPr/>
+        </p:nvPicPr>
+        <p:blipFill>
+          <a:blip r:embed="rId3">
+            <a:extLst>
+              <a:ext uri="{28A0092B-C50C-407E-A947-70E740481C1C}">
+                <a14:useLocalDpi xmlns:a14="http://schemas.microsoft.com/office/drawing/2010/main" val="0"/>
+              </a:ext>
+            </a:extLst>
+          </a:blip>
+          <a:stretch>
+            <a:fillRect/>
+          </a:stretch>
+        </p:blipFill>
+        <p:spPr>
+          <a:xfrm>
+            <a:off x="6203474" y="2674531"/>
+            <a:ext cx="3371565" cy="2191516"/>
+          </a:xfrm>
+          <a:prstGeom prst="rect">
+            <a:avLst/>
+          </a:prstGeom>
+        </p:spPr>
+      </p:pic>
     </p:spTree>
     <p:extLst>
       <p:ext uri="{BB962C8B-B14F-4D97-AF65-F5344CB8AC3E}">
@@ -4811,6 +4817,42 @@
           <a:chExt cx="0" cy="0"/>
         </a:xfrm>
       </p:grpSpPr>
+      <p:pic>
+        <p:nvPicPr>
+          <p:cNvPr id="12" name="Imagen 11">
+            <a:extLst>
+              <a:ext uri="{FF2B5EF4-FFF2-40B4-BE49-F238E27FC236}">
+                <a16:creationId xmlns:a16="http://schemas.microsoft.com/office/drawing/2014/main" id="{B5FDB62F-FCFE-4AB8-B838-93B7AFCA2A71}"/>
+              </a:ext>
+            </a:extLst>
+          </p:cNvPr>
+          <p:cNvPicPr>
+            <a:picLocks noChangeAspect="1"/>
+          </p:cNvPicPr>
+          <p:nvPr/>
+        </p:nvPicPr>
+        <p:blipFill>
+          <a:blip r:embed="rId2">
+            <a:extLst>
+              <a:ext uri="{28A0092B-C50C-407E-A947-70E740481C1C}">
+                <a14:useLocalDpi xmlns:a14="http://schemas.microsoft.com/office/drawing/2010/main" val="0"/>
+              </a:ext>
+            </a:extLst>
+          </a:blip>
+          <a:stretch>
+            <a:fillRect/>
+          </a:stretch>
+        </p:blipFill>
+        <p:spPr>
+          <a:xfrm>
+            <a:off x="8479364" y="1620615"/>
+            <a:ext cx="2764018" cy="1879167"/>
+          </a:xfrm>
+          <a:prstGeom prst="rect">
+            <a:avLst/>
+          </a:prstGeom>
+        </p:spPr>
+      </p:pic>
       <p:sp>
         <p:nvSpPr>
           <p:cNvPr id="2" name="Título 1">
@@ -4858,7 +4900,7 @@
           </p:nvPr>
         </p:nvPicPr>
         <p:blipFill>
-          <a:blip r:embed="rId2">
+          <a:blip r:embed="rId3">
             <a:extLst>
               <a:ext uri="{28A0092B-C50C-407E-A947-70E740481C1C}">
                 <a14:useLocalDpi xmlns:a14="http://schemas.microsoft.com/office/drawing/2010/main" val="0"/>
@@ -4891,7 +4933,7 @@
           <p:nvPr/>
         </p:nvPicPr>
         <p:blipFill>
-          <a:blip r:embed="rId3">
+          <a:blip r:embed="rId4">
             <a:extLst>
               <a:ext uri="{28A0092B-C50C-407E-A947-70E740481C1C}">
                 <a14:useLocalDpi xmlns:a14="http://schemas.microsoft.com/office/drawing/2010/main" val="0"/>
@@ -4928,7 +4970,7 @@
         </p:nvSpPr>
         <p:spPr>
           <a:xfrm>
-            <a:off x="8627882" y="3350736"/>
+            <a:off x="8843348" y="3447881"/>
             <a:ext cx="3261850" cy="394523"/>
           </a:xfrm>
           <a:prstGeom prst="rect">
@@ -5110,29 +5152,34 @@
               </a:lnSpc>
             </a:pPr>
             <a:r>
-              <a:rPr lang="es-CO" sz="2400" dirty="0" err="1"/>
+              <a:rPr lang="es-CO" dirty="0" err="1"/>
               <a:t>Learned</a:t>
             </a:r>
             <a:r>
-              <a:rPr lang="es-CO" sz="2400" dirty="0"/>
+              <a:rPr lang="es-CO" dirty="0"/>
               <a:t> </a:t>
             </a:r>
             <a:r>
-              <a:rPr lang="es-CO" sz="2400" dirty="0" err="1"/>
-              <a:t>to</a:t>
-            </a:r>
-            <a:r>
-              <a:rPr lang="es-CO" sz="2400" dirty="0"/>
+              <a:rPr lang="es-CO" dirty="0" err="1"/>
+              <a:t>from</a:t>
+            </a:r>
+            <a:r>
+              <a:rPr lang="es-CO" dirty="0"/>
               <a:t> </a:t>
             </a:r>
             <a:r>
-              <a:rPr lang="es-CO" sz="2400" dirty="0" err="1"/>
-              <a:t>play</a:t>
-            </a:r>
-            <a:r>
-              <a:rPr lang="es-CO" sz="2400" dirty="0"/>
-              <a:t> guitar</a:t>
-            </a:r>
+              <a:rPr lang="es-CO" dirty="0" err="1"/>
+              <a:t>his</a:t>
+            </a:r>
+            <a:r>
+              <a:rPr lang="es-CO" dirty="0"/>
+              <a:t> </a:t>
+            </a:r>
+            <a:r>
+              <a:rPr lang="es-CO" dirty="0" err="1"/>
+              <a:t>father,brothers</a:t>
+            </a:r>
+            <a:endParaRPr lang="es-CO" dirty="0"/>
           </a:p>
         </p:txBody>
       </p:sp>
@@ -5355,7 +5402,7 @@
           <p:nvPr/>
         </p:nvPicPr>
         <p:blipFill>
-          <a:blip r:embed="rId4">
+          <a:blip r:embed="rId5">
             <a:extLst>
               <a:ext uri="{28A0092B-C50C-407E-A947-70E740481C1C}">
                 <a14:useLocalDpi xmlns:a14="http://schemas.microsoft.com/office/drawing/2010/main" val="0"/>
@@ -5368,8 +5415,8 @@
         </p:blipFill>
         <p:spPr>
           <a:xfrm>
-            <a:off x="8141598" y="1019617"/>
-            <a:ext cx="3443667" cy="2302530"/>
+            <a:off x="9050273" y="2106858"/>
+            <a:ext cx="1949161" cy="1303262"/>
           </a:xfrm>
           <a:prstGeom prst="rect">
             <a:avLst/>
@@ -5392,8 +5439,8 @@
         </p:nvSpPr>
         <p:spPr>
           <a:xfrm>
-            <a:off x="2423212" y="5073630"/>
-            <a:ext cx="2307299" cy="634154"/>
+            <a:off x="3193266" y="4908301"/>
+            <a:ext cx="1704904" cy="354950"/>
           </a:xfrm>
           <a:prstGeom prst="rect">
             <a:avLst/>
@@ -5573,23 +5620,7 @@
                 <a:spcPct val="110000"/>
               </a:lnSpc>
             </a:pPr>
-            <a:r>
-              <a:rPr lang="es-CO" sz="2400" dirty="0"/>
-              <a:t>He </a:t>
-            </a:r>
-            <a:r>
-              <a:rPr lang="es-CO" sz="2400" dirty="0" err="1"/>
-              <a:t>was</a:t>
-            </a:r>
-            <a:r>
-              <a:rPr lang="es-CO" sz="2400" dirty="0"/>
-              <a:t> </a:t>
-            </a:r>
-            <a:r>
-              <a:rPr lang="es-CO" sz="2400" dirty="0" err="1"/>
-              <a:t>farmer</a:t>
-            </a:r>
-            <a:endParaRPr lang="es-CO" sz="2400" dirty="0"/>
+            <a:endParaRPr lang="es-CO" sz="1400" dirty="0"/>
           </a:p>
         </p:txBody>
       </p:sp>
@@ -5827,114 +5858,6 @@
           </a:p>
         </p:txBody>
       </p:sp>
-      <p:pic>
-        <p:nvPicPr>
-          <p:cNvPr id="17" name="Imagen 16" descr="Una caricatura de una persona&#10;&#10;Descripción generada automáticamente con confianza media">
-            <a:extLst>
-              <a:ext uri="{FF2B5EF4-FFF2-40B4-BE49-F238E27FC236}">
-                <a16:creationId xmlns:a16="http://schemas.microsoft.com/office/drawing/2014/main" id="{1E37E88F-9260-4251-983C-DABBADA581A0}"/>
-              </a:ext>
-            </a:extLst>
-          </p:cNvPr>
-          <p:cNvPicPr>
-            <a:picLocks noChangeAspect="1"/>
-          </p:cNvPicPr>
-          <p:nvPr/>
-        </p:nvPicPr>
-        <p:blipFill>
-          <a:blip r:embed="rId5">
-            <a:extLst>
-              <a:ext uri="{28A0092B-C50C-407E-A947-70E740481C1C}">
-                <a14:useLocalDpi xmlns:a14="http://schemas.microsoft.com/office/drawing/2010/main" val="0"/>
-              </a:ext>
-            </a:extLst>
-          </a:blip>
-          <a:stretch>
-            <a:fillRect/>
-          </a:stretch>
-        </p:blipFill>
-        <p:spPr>
-          <a:xfrm>
-            <a:off x="700635" y="4102509"/>
-            <a:ext cx="2014938" cy="2212665"/>
-          </a:xfrm>
-          <a:prstGeom prst="rect">
-            <a:avLst/>
-          </a:prstGeom>
-        </p:spPr>
-      </p:pic>
-      <p:pic>
-        <p:nvPicPr>
-          <p:cNvPr id="21" name="Imagen 20" descr="Imagen que contiene planta&#10;&#10;Descripción generada automáticamente">
-            <a:extLst>
-              <a:ext uri="{FF2B5EF4-FFF2-40B4-BE49-F238E27FC236}">
-                <a16:creationId xmlns:a16="http://schemas.microsoft.com/office/drawing/2014/main" id="{3F13670F-44B8-4AB7-B1F7-16B279399EEF}"/>
-              </a:ext>
-            </a:extLst>
-          </p:cNvPr>
-          <p:cNvPicPr>
-            <a:picLocks noChangeAspect="1"/>
-          </p:cNvPicPr>
-          <p:nvPr/>
-        </p:nvPicPr>
-        <p:blipFill>
-          <a:blip r:embed="rId6">
-            <a:extLst>
-              <a:ext uri="{28A0092B-C50C-407E-A947-70E740481C1C}">
-                <a14:useLocalDpi xmlns:a14="http://schemas.microsoft.com/office/drawing/2010/main" val="0"/>
-              </a:ext>
-            </a:extLst>
-          </a:blip>
-          <a:stretch>
-            <a:fillRect/>
-          </a:stretch>
-        </p:blipFill>
-        <p:spPr>
-          <a:xfrm>
-            <a:off x="2369949" y="5522293"/>
-            <a:ext cx="691248" cy="638075"/>
-          </a:xfrm>
-          <a:prstGeom prst="rect">
-            <a:avLst/>
-          </a:prstGeom>
-        </p:spPr>
-      </p:pic>
-      <p:pic>
-        <p:nvPicPr>
-          <p:cNvPr id="22" name="Imagen 21" descr="Imagen que contiene planta&#10;&#10;Descripción generada automáticamente">
-            <a:extLst>
-              <a:ext uri="{FF2B5EF4-FFF2-40B4-BE49-F238E27FC236}">
-                <a16:creationId xmlns:a16="http://schemas.microsoft.com/office/drawing/2014/main" id="{1F663D8A-8F82-4F66-B7EA-D6A4191CE04C}"/>
-              </a:ext>
-            </a:extLst>
-          </p:cNvPr>
-          <p:cNvPicPr>
-            <a:picLocks noChangeAspect="1"/>
-          </p:cNvPicPr>
-          <p:nvPr/>
-        </p:nvPicPr>
-        <p:blipFill>
-          <a:blip r:embed="rId6">
-            <a:extLst>
-              <a:ext uri="{28A0092B-C50C-407E-A947-70E740481C1C}">
-                <a14:useLocalDpi xmlns:a14="http://schemas.microsoft.com/office/drawing/2010/main" val="0"/>
-              </a:ext>
-            </a:extLst>
-          </a:blip>
-          <a:stretch>
-            <a:fillRect/>
-          </a:stretch>
-        </p:blipFill>
-        <p:spPr>
-          <a:xfrm>
-            <a:off x="498420" y="5512533"/>
-            <a:ext cx="691248" cy="638075"/>
-          </a:xfrm>
-          <a:prstGeom prst="rect">
-            <a:avLst/>
-          </a:prstGeom>
-        </p:spPr>
-      </p:pic>
       <p:sp>
         <p:nvSpPr>
           <p:cNvPr id="24" name="Subtítulo 2">
@@ -6139,6 +6062,354 @@
           </a:p>
         </p:txBody>
       </p:sp>
+      <p:sp>
+        <p:nvSpPr>
+          <p:cNvPr id="16" name="Subtítulo 2">
+            <a:extLst>
+              <a:ext uri="{FF2B5EF4-FFF2-40B4-BE49-F238E27FC236}">
+                <a16:creationId xmlns:a16="http://schemas.microsoft.com/office/drawing/2014/main" id="{EFAB1BE9-C1AB-4F35-AC59-DCD926F98562}"/>
+              </a:ext>
+            </a:extLst>
+          </p:cNvPr>
+          <p:cNvSpPr txBox="1">
+            <a:spLocks/>
+          </p:cNvSpPr>
+          <p:nvPr/>
+        </p:nvSpPr>
+        <p:spPr>
+          <a:xfrm>
+            <a:off x="3385976" y="4627945"/>
+            <a:ext cx="2660291" cy="429402"/>
+          </a:xfrm>
+          <a:prstGeom prst="rect">
+            <a:avLst/>
+          </a:prstGeom>
+        </p:spPr>
+        <p:txBody>
+          <a:bodyPr vert="horz" lIns="91440" tIns="45720" rIns="91440" bIns="45720" rtlCol="0" anchor="t">
+            <a:noAutofit/>
+          </a:bodyPr>
+          <a:lstStyle>
+            <a:lvl1pPr marL="0" indent="0" algn="l" defTabSz="914400" rtl="0" eaLnBrk="1" latinLnBrk="0" hangingPunct="1">
+              <a:lnSpc>
+                <a:spcPct val="120000"/>
+              </a:lnSpc>
+              <a:spcBef>
+                <a:spcPts val="1000"/>
+              </a:spcBef>
+              <a:buFont typeface="Arial" panose="020B0604020202020204" pitchFamily="34" charset="0"/>
+              <a:buNone/>
+              <a:defRPr sz="2000" kern="1200">
+                <a:solidFill>
+                  <a:schemeClr val="tx1"/>
+                </a:solidFill>
+                <a:latin typeface="+mn-lt"/>
+                <a:ea typeface="+mn-ea"/>
+                <a:cs typeface="+mn-cs"/>
+              </a:defRPr>
+            </a:lvl1pPr>
+            <a:lvl2pPr marL="457200" indent="0" algn="ctr" defTabSz="914400" rtl="0" eaLnBrk="1" latinLnBrk="0" hangingPunct="1">
+              <a:lnSpc>
+                <a:spcPct val="120000"/>
+              </a:lnSpc>
+              <a:spcBef>
+                <a:spcPts val="500"/>
+              </a:spcBef>
+              <a:buFont typeface="Arial" panose="020B0604020202020204" pitchFamily="34" charset="0"/>
+              <a:buNone/>
+              <a:defRPr sz="2000" kern="1200">
+                <a:solidFill>
+                  <a:schemeClr val="tx1"/>
+                </a:solidFill>
+                <a:latin typeface="+mn-lt"/>
+                <a:ea typeface="+mn-ea"/>
+                <a:cs typeface="+mn-cs"/>
+              </a:defRPr>
+            </a:lvl2pPr>
+            <a:lvl3pPr marL="914400" indent="0" algn="ctr" defTabSz="914400" rtl="0" eaLnBrk="1" latinLnBrk="0" hangingPunct="1">
+              <a:lnSpc>
+                <a:spcPct val="120000"/>
+              </a:lnSpc>
+              <a:spcBef>
+                <a:spcPts val="500"/>
+              </a:spcBef>
+              <a:buFont typeface="Arial" panose="020B0604020202020204" pitchFamily="34" charset="0"/>
+              <a:buNone/>
+              <a:defRPr sz="1800" kern="1200">
+                <a:solidFill>
+                  <a:schemeClr val="tx1"/>
+                </a:solidFill>
+                <a:latin typeface="+mn-lt"/>
+                <a:ea typeface="+mn-ea"/>
+                <a:cs typeface="+mn-cs"/>
+              </a:defRPr>
+            </a:lvl3pPr>
+            <a:lvl4pPr marL="1371600" indent="0" algn="ctr" defTabSz="914400" rtl="0" eaLnBrk="1" latinLnBrk="0" hangingPunct="1">
+              <a:lnSpc>
+                <a:spcPct val="120000"/>
+              </a:lnSpc>
+              <a:spcBef>
+                <a:spcPts val="500"/>
+              </a:spcBef>
+              <a:buFont typeface="Arial" panose="020B0604020202020204" pitchFamily="34" charset="0"/>
+              <a:buNone/>
+              <a:defRPr sz="1600" kern="1200">
+                <a:solidFill>
+                  <a:schemeClr val="tx1"/>
+                </a:solidFill>
+                <a:latin typeface="+mn-lt"/>
+                <a:ea typeface="+mn-ea"/>
+                <a:cs typeface="+mn-cs"/>
+              </a:defRPr>
+            </a:lvl4pPr>
+            <a:lvl5pPr marL="1828800" indent="0" algn="ctr" defTabSz="914400" rtl="0" eaLnBrk="1" latinLnBrk="0" hangingPunct="1">
+              <a:lnSpc>
+                <a:spcPct val="120000"/>
+              </a:lnSpc>
+              <a:spcBef>
+                <a:spcPts val="500"/>
+              </a:spcBef>
+              <a:buFont typeface="Arial" panose="020B0604020202020204" pitchFamily="34" charset="0"/>
+              <a:buNone/>
+              <a:defRPr sz="1600" kern="1200">
+                <a:solidFill>
+                  <a:schemeClr val="tx1"/>
+                </a:solidFill>
+                <a:latin typeface="+mn-lt"/>
+                <a:ea typeface="+mn-ea"/>
+                <a:cs typeface="+mn-cs"/>
+              </a:defRPr>
+            </a:lvl5pPr>
+            <a:lvl6pPr marL="2286000" indent="0" algn="ctr" defTabSz="914400" rtl="0" eaLnBrk="1" latinLnBrk="0" hangingPunct="1">
+              <a:lnSpc>
+                <a:spcPct val="90000"/>
+              </a:lnSpc>
+              <a:spcBef>
+                <a:spcPts val="500"/>
+              </a:spcBef>
+              <a:buFont typeface="Arial" panose="020B0604020202020204" pitchFamily="34" charset="0"/>
+              <a:buNone/>
+              <a:defRPr sz="1600" kern="1200">
+                <a:solidFill>
+                  <a:schemeClr val="tx1"/>
+                </a:solidFill>
+                <a:latin typeface="+mn-lt"/>
+                <a:ea typeface="+mn-ea"/>
+                <a:cs typeface="+mn-cs"/>
+              </a:defRPr>
+            </a:lvl6pPr>
+            <a:lvl7pPr marL="2743200" indent="0" algn="ctr" defTabSz="914400" rtl="0" eaLnBrk="1" latinLnBrk="0" hangingPunct="1">
+              <a:lnSpc>
+                <a:spcPct val="90000"/>
+              </a:lnSpc>
+              <a:spcBef>
+                <a:spcPts val="500"/>
+              </a:spcBef>
+              <a:buFont typeface="Arial" panose="020B0604020202020204" pitchFamily="34" charset="0"/>
+              <a:buNone/>
+              <a:defRPr sz="1600" kern="1200">
+                <a:solidFill>
+                  <a:schemeClr val="tx1"/>
+                </a:solidFill>
+                <a:latin typeface="+mn-lt"/>
+                <a:ea typeface="+mn-ea"/>
+                <a:cs typeface="+mn-cs"/>
+              </a:defRPr>
+            </a:lvl7pPr>
+            <a:lvl8pPr marL="3200400" indent="0" algn="ctr" defTabSz="914400" rtl="0" eaLnBrk="1" latinLnBrk="0" hangingPunct="1">
+              <a:lnSpc>
+                <a:spcPct val="90000"/>
+              </a:lnSpc>
+              <a:spcBef>
+                <a:spcPts val="500"/>
+              </a:spcBef>
+              <a:buFont typeface="Arial" panose="020B0604020202020204" pitchFamily="34" charset="0"/>
+              <a:buNone/>
+              <a:defRPr sz="1600" kern="1200">
+                <a:solidFill>
+                  <a:schemeClr val="tx1"/>
+                </a:solidFill>
+                <a:latin typeface="+mn-lt"/>
+                <a:ea typeface="+mn-ea"/>
+                <a:cs typeface="+mn-cs"/>
+              </a:defRPr>
+            </a:lvl8pPr>
+            <a:lvl9pPr marL="3657600" indent="0" algn="ctr" defTabSz="914400" rtl="0" eaLnBrk="1" latinLnBrk="0" hangingPunct="1">
+              <a:lnSpc>
+                <a:spcPct val="90000"/>
+              </a:lnSpc>
+              <a:spcBef>
+                <a:spcPts val="500"/>
+              </a:spcBef>
+              <a:buFont typeface="Arial" panose="020B0604020202020204" pitchFamily="34" charset="0"/>
+              <a:buNone/>
+              <a:defRPr sz="1600" kern="1200">
+                <a:solidFill>
+                  <a:schemeClr val="tx1"/>
+                </a:solidFill>
+                <a:latin typeface="+mn-lt"/>
+                <a:ea typeface="+mn-ea"/>
+                <a:cs typeface="+mn-cs"/>
+              </a:defRPr>
+            </a:lvl9pPr>
+          </a:lstStyle>
+          <a:p>
+            <a:pPr>
+              <a:lnSpc>
+                <a:spcPct val="110000"/>
+              </a:lnSpc>
+            </a:pPr>
+            <a:r>
+              <a:rPr lang="es-CO" sz="2400" dirty="0"/>
+              <a:t>Javier Aristizábal</a:t>
+            </a:r>
+          </a:p>
+        </p:txBody>
+      </p:sp>
+      <p:pic>
+        <p:nvPicPr>
+          <p:cNvPr id="18" name="Imagen 17" descr="Imagen en blanco y negro&#10;&#10;Descripción generada automáticamente con confianza media">
+            <a:extLst>
+              <a:ext uri="{FF2B5EF4-FFF2-40B4-BE49-F238E27FC236}">
+                <a16:creationId xmlns:a16="http://schemas.microsoft.com/office/drawing/2014/main" id="{0EB72CEF-D28B-46D4-B1EC-5FA08BD57AAA}"/>
+              </a:ext>
+            </a:extLst>
+          </p:cNvPr>
+          <p:cNvPicPr>
+            <a:picLocks noChangeAspect="1"/>
+          </p:cNvPicPr>
+          <p:nvPr/>
+        </p:nvPicPr>
+        <p:blipFill>
+          <a:blip r:embed="rId6">
+            <a:extLst>
+              <a:ext uri="{28A0092B-C50C-407E-A947-70E740481C1C}">
+                <a14:useLocalDpi xmlns:a14="http://schemas.microsoft.com/office/drawing/2010/main" val="0"/>
+              </a:ext>
+            </a:extLst>
+          </a:blip>
+          <a:stretch>
+            <a:fillRect/>
+          </a:stretch>
+        </p:blipFill>
+        <p:spPr>
+          <a:xfrm>
+            <a:off x="5673374" y="4627945"/>
+            <a:ext cx="513466" cy="525031"/>
+          </a:xfrm>
+          <a:prstGeom prst="rect">
+            <a:avLst/>
+          </a:prstGeom>
+        </p:spPr>
+      </p:pic>
+      <p:pic>
+        <p:nvPicPr>
+          <p:cNvPr id="20" name="Imagen 19" descr="Logotipo, Código QR&#10;&#10;Descripción generada automáticamente">
+            <a:extLst>
+              <a:ext uri="{FF2B5EF4-FFF2-40B4-BE49-F238E27FC236}">
+                <a16:creationId xmlns:a16="http://schemas.microsoft.com/office/drawing/2014/main" id="{5348B10B-48DC-442E-B5AA-B1ECE3D69B25}"/>
+              </a:ext>
+            </a:extLst>
+          </p:cNvPr>
+          <p:cNvPicPr>
+            <a:picLocks noChangeAspect="1"/>
+          </p:cNvPicPr>
+          <p:nvPr/>
+        </p:nvPicPr>
+        <p:blipFill>
+          <a:blip r:embed="rId7">
+            <a:extLst>
+              <a:ext uri="{28A0092B-C50C-407E-A947-70E740481C1C}">
+                <a14:useLocalDpi xmlns:a14="http://schemas.microsoft.com/office/drawing/2010/main" val="0"/>
+              </a:ext>
+            </a:extLst>
+          </a:blip>
+          <a:stretch>
+            <a:fillRect/>
+          </a:stretch>
+        </p:blipFill>
+        <p:spPr>
+          <a:xfrm>
+            <a:off x="9543769" y="975227"/>
+            <a:ext cx="635207" cy="632384"/>
+          </a:xfrm>
+          <a:prstGeom prst="rect">
+            <a:avLst/>
+          </a:prstGeom>
+        </p:spPr>
+      </p:pic>
+      <p:pic>
+        <p:nvPicPr>
+          <p:cNvPr id="25" name="Imagen 24" descr="Un dibujo de una persona&#10;&#10;Descripción generada automáticamente con confianza baja">
+            <a:extLst>
+              <a:ext uri="{FF2B5EF4-FFF2-40B4-BE49-F238E27FC236}">
+                <a16:creationId xmlns:a16="http://schemas.microsoft.com/office/drawing/2014/main" id="{EB140E38-AB15-4FA6-80C5-FD207FF7B2DD}"/>
+              </a:ext>
+            </a:extLst>
+          </p:cNvPr>
+          <p:cNvPicPr>
+            <a:picLocks noChangeAspect="1"/>
+          </p:cNvPicPr>
+          <p:nvPr/>
+        </p:nvPicPr>
+        <p:blipFill>
+          <a:blip r:embed="rId8">
+            <a:extLst>
+              <a:ext uri="{28A0092B-C50C-407E-A947-70E740481C1C}">
+                <a14:useLocalDpi xmlns:a14="http://schemas.microsoft.com/office/drawing/2010/main" val="0"/>
+              </a:ext>
+            </a:extLst>
+          </a:blip>
+          <a:stretch>
+            <a:fillRect/>
+          </a:stretch>
+        </p:blipFill>
+        <p:spPr>
+          <a:xfrm>
+            <a:off x="2411466" y="4023047"/>
+            <a:ext cx="682493" cy="2201589"/>
+          </a:xfrm>
+          <a:prstGeom prst="rect">
+            <a:avLst/>
+          </a:prstGeom>
+        </p:spPr>
+      </p:pic>
+      <p:pic>
+        <p:nvPicPr>
+          <p:cNvPr id="29" name="Imagen 28" descr="Imagen en blanco y negro de una persona con un traje de color negro&#10;&#10;Descripción generada automáticamente con confianza media">
+            <a:extLst>
+              <a:ext uri="{FF2B5EF4-FFF2-40B4-BE49-F238E27FC236}">
+                <a16:creationId xmlns:a16="http://schemas.microsoft.com/office/drawing/2014/main" id="{555087A1-F33A-45B7-9FD9-040F573E2F9B}"/>
+              </a:ext>
+            </a:extLst>
+          </p:cNvPr>
+          <p:cNvPicPr>
+            <a:picLocks noChangeAspect="1"/>
+          </p:cNvPicPr>
+          <p:nvPr/>
+        </p:nvPicPr>
+        <p:blipFill>
+          <a:blip r:embed="rId9">
+            <a:extLst>
+              <a:ext uri="{28A0092B-C50C-407E-A947-70E740481C1C}">
+                <a14:useLocalDpi xmlns:a14="http://schemas.microsoft.com/office/drawing/2010/main" val="0"/>
+              </a:ext>
+            </a:extLst>
+          </a:blip>
+          <a:stretch>
+            <a:fillRect/>
+          </a:stretch>
+        </p:blipFill>
+        <p:spPr>
+          <a:xfrm>
+            <a:off x="1128284" y="4321857"/>
+            <a:ext cx="1614666" cy="1680721"/>
+          </a:xfrm>
+          <a:prstGeom prst="rect">
+            <a:avLst/>
+          </a:prstGeom>
+        </p:spPr>
+      </p:pic>
     </p:spTree>
     <p:extLst>
       <p:ext uri="{BB962C8B-B14F-4D97-AF65-F5344CB8AC3E}">
@@ -6282,9 +6553,22 @@
           <a:lstStyle/>
           <a:p>
             <a:r>
-              <a:rPr lang="es-CO"/>
-              <a:t>Place of residence</a:t>
-            </a:r>
+              <a:rPr lang="es-CO" dirty="0"/>
+              <a:t>Place </a:t>
+            </a:r>
+            <a:r>
+              <a:rPr lang="es-CO" dirty="0" err="1"/>
+              <a:t>of</a:t>
+            </a:r>
+            <a:r>
+              <a:rPr lang="es-CO" dirty="0"/>
+              <a:t> </a:t>
+            </a:r>
+            <a:r>
+              <a:rPr lang="es-CO" dirty="0" err="1"/>
+              <a:t>residence</a:t>
+            </a:r>
+            <a:endParaRPr lang="es-CO" dirty="0"/>
           </a:p>
         </p:txBody>
       </p:sp>
@@ -6370,7 +6654,7 @@
         </p:blipFill>
         <p:spPr>
           <a:xfrm>
-            <a:off x="3196067" y="1127671"/>
+            <a:off x="6818157" y="1817884"/>
             <a:ext cx="655260" cy="655260"/>
           </a:xfrm>
         </p:spPr>
@@ -6403,8 +6687,8 @@
         </p:blipFill>
         <p:spPr>
           <a:xfrm>
-            <a:off x="4522243" y="1808341"/>
-            <a:ext cx="6678776" cy="3272599"/>
+            <a:off x="4802481" y="1100831"/>
+            <a:ext cx="6881514" cy="4270159"/>
           </a:xfrm>
           <a:prstGeom prst="rect">
             <a:avLst/>
@@ -6439,20 +6723,232 @@
         </p:blipFill>
         <p:spPr>
           <a:xfrm>
-            <a:off x="296164" y="2377789"/>
-            <a:ext cx="1246702" cy="1321047"/>
+            <a:off x="1505848" y="2247100"/>
+            <a:ext cx="872103" cy="924110"/>
           </a:xfrm>
           <a:prstGeom prst="rect">
             <a:avLst/>
           </a:prstGeom>
         </p:spPr>
       </p:pic>
+      <p:sp>
+        <p:nvSpPr>
+          <p:cNvPr id="12" name="Subtítulo 2">
+            <a:extLst>
+              <a:ext uri="{FF2B5EF4-FFF2-40B4-BE49-F238E27FC236}">
+                <a16:creationId xmlns:a16="http://schemas.microsoft.com/office/drawing/2014/main" id="{DDD00C08-B4B6-4FF3-95C3-768C0FDEA32C}"/>
+              </a:ext>
+            </a:extLst>
+          </p:cNvPr>
+          <p:cNvSpPr txBox="1">
+            <a:spLocks/>
+          </p:cNvSpPr>
+          <p:nvPr/>
+        </p:nvSpPr>
+        <p:spPr>
+          <a:xfrm>
+            <a:off x="7473417" y="5370990"/>
+            <a:ext cx="2271017" cy="254344"/>
+          </a:xfrm>
+          <a:prstGeom prst="rect">
+            <a:avLst/>
+          </a:prstGeom>
+        </p:spPr>
+        <p:txBody>
+          <a:bodyPr vert="horz" lIns="91440" tIns="45720" rIns="91440" bIns="45720" rtlCol="0" anchor="t">
+            <a:noAutofit/>
+          </a:bodyPr>
+          <a:lstStyle>
+            <a:lvl1pPr marL="0" indent="0" algn="l" defTabSz="914400" rtl="0" eaLnBrk="1" latinLnBrk="0" hangingPunct="1">
+              <a:lnSpc>
+                <a:spcPct val="120000"/>
+              </a:lnSpc>
+              <a:spcBef>
+                <a:spcPts val="1000"/>
+              </a:spcBef>
+              <a:buFont typeface="Arial" panose="020B0604020202020204" pitchFamily="34" charset="0"/>
+              <a:buNone/>
+              <a:defRPr sz="2000" kern="1200">
+                <a:solidFill>
+                  <a:schemeClr val="tx1"/>
+                </a:solidFill>
+                <a:latin typeface="+mn-lt"/>
+                <a:ea typeface="+mn-ea"/>
+                <a:cs typeface="+mn-cs"/>
+              </a:defRPr>
+            </a:lvl1pPr>
+            <a:lvl2pPr marL="457200" indent="0" algn="ctr" defTabSz="914400" rtl="0" eaLnBrk="1" latinLnBrk="0" hangingPunct="1">
+              <a:lnSpc>
+                <a:spcPct val="120000"/>
+              </a:lnSpc>
+              <a:spcBef>
+                <a:spcPts val="500"/>
+              </a:spcBef>
+              <a:buFont typeface="Arial" panose="020B0604020202020204" pitchFamily="34" charset="0"/>
+              <a:buNone/>
+              <a:defRPr sz="2000" kern="1200">
+                <a:solidFill>
+                  <a:schemeClr val="tx1"/>
+                </a:solidFill>
+                <a:latin typeface="+mn-lt"/>
+                <a:ea typeface="+mn-ea"/>
+                <a:cs typeface="+mn-cs"/>
+              </a:defRPr>
+            </a:lvl2pPr>
+            <a:lvl3pPr marL="914400" indent="0" algn="ctr" defTabSz="914400" rtl="0" eaLnBrk="1" latinLnBrk="0" hangingPunct="1">
+              <a:lnSpc>
+                <a:spcPct val="120000"/>
+              </a:lnSpc>
+              <a:spcBef>
+                <a:spcPts val="500"/>
+              </a:spcBef>
+              <a:buFont typeface="Arial" panose="020B0604020202020204" pitchFamily="34" charset="0"/>
+              <a:buNone/>
+              <a:defRPr sz="1800" kern="1200">
+                <a:solidFill>
+                  <a:schemeClr val="tx1"/>
+                </a:solidFill>
+                <a:latin typeface="+mn-lt"/>
+                <a:ea typeface="+mn-ea"/>
+                <a:cs typeface="+mn-cs"/>
+              </a:defRPr>
+            </a:lvl3pPr>
+            <a:lvl4pPr marL="1371600" indent="0" algn="ctr" defTabSz="914400" rtl="0" eaLnBrk="1" latinLnBrk="0" hangingPunct="1">
+              <a:lnSpc>
+                <a:spcPct val="120000"/>
+              </a:lnSpc>
+              <a:spcBef>
+                <a:spcPts val="500"/>
+              </a:spcBef>
+              <a:buFont typeface="Arial" panose="020B0604020202020204" pitchFamily="34" charset="0"/>
+              <a:buNone/>
+              <a:defRPr sz="1600" kern="1200">
+                <a:solidFill>
+                  <a:schemeClr val="tx1"/>
+                </a:solidFill>
+                <a:latin typeface="+mn-lt"/>
+                <a:ea typeface="+mn-ea"/>
+                <a:cs typeface="+mn-cs"/>
+              </a:defRPr>
+            </a:lvl4pPr>
+            <a:lvl5pPr marL="1828800" indent="0" algn="ctr" defTabSz="914400" rtl="0" eaLnBrk="1" latinLnBrk="0" hangingPunct="1">
+              <a:lnSpc>
+                <a:spcPct val="120000"/>
+              </a:lnSpc>
+              <a:spcBef>
+                <a:spcPts val="500"/>
+              </a:spcBef>
+              <a:buFont typeface="Arial" panose="020B0604020202020204" pitchFamily="34" charset="0"/>
+              <a:buNone/>
+              <a:defRPr sz="1600" kern="1200">
+                <a:solidFill>
+                  <a:schemeClr val="tx1"/>
+                </a:solidFill>
+                <a:latin typeface="+mn-lt"/>
+                <a:ea typeface="+mn-ea"/>
+                <a:cs typeface="+mn-cs"/>
+              </a:defRPr>
+            </a:lvl5pPr>
+            <a:lvl6pPr marL="2286000" indent="0" algn="ctr" defTabSz="914400" rtl="0" eaLnBrk="1" latinLnBrk="0" hangingPunct="1">
+              <a:lnSpc>
+                <a:spcPct val="90000"/>
+              </a:lnSpc>
+              <a:spcBef>
+                <a:spcPts val="500"/>
+              </a:spcBef>
+              <a:buFont typeface="Arial" panose="020B0604020202020204" pitchFamily="34" charset="0"/>
+              <a:buNone/>
+              <a:defRPr sz="1600" kern="1200">
+                <a:solidFill>
+                  <a:schemeClr val="tx1"/>
+                </a:solidFill>
+                <a:latin typeface="+mn-lt"/>
+                <a:ea typeface="+mn-ea"/>
+                <a:cs typeface="+mn-cs"/>
+              </a:defRPr>
+            </a:lvl6pPr>
+            <a:lvl7pPr marL="2743200" indent="0" algn="ctr" defTabSz="914400" rtl="0" eaLnBrk="1" latinLnBrk="0" hangingPunct="1">
+              <a:lnSpc>
+                <a:spcPct val="90000"/>
+              </a:lnSpc>
+              <a:spcBef>
+                <a:spcPts val="500"/>
+              </a:spcBef>
+              <a:buFont typeface="Arial" panose="020B0604020202020204" pitchFamily="34" charset="0"/>
+              <a:buNone/>
+              <a:defRPr sz="1600" kern="1200">
+                <a:solidFill>
+                  <a:schemeClr val="tx1"/>
+                </a:solidFill>
+                <a:latin typeface="+mn-lt"/>
+                <a:ea typeface="+mn-ea"/>
+                <a:cs typeface="+mn-cs"/>
+              </a:defRPr>
+            </a:lvl7pPr>
+            <a:lvl8pPr marL="3200400" indent="0" algn="ctr" defTabSz="914400" rtl="0" eaLnBrk="1" latinLnBrk="0" hangingPunct="1">
+              <a:lnSpc>
+                <a:spcPct val="90000"/>
+              </a:lnSpc>
+              <a:spcBef>
+                <a:spcPts val="500"/>
+              </a:spcBef>
+              <a:buFont typeface="Arial" panose="020B0604020202020204" pitchFamily="34" charset="0"/>
+              <a:buNone/>
+              <a:defRPr sz="1600" kern="1200">
+                <a:solidFill>
+                  <a:schemeClr val="tx1"/>
+                </a:solidFill>
+                <a:latin typeface="+mn-lt"/>
+                <a:ea typeface="+mn-ea"/>
+                <a:cs typeface="+mn-cs"/>
+              </a:defRPr>
+            </a:lvl8pPr>
+            <a:lvl9pPr marL="3657600" indent="0" algn="ctr" defTabSz="914400" rtl="0" eaLnBrk="1" latinLnBrk="0" hangingPunct="1">
+              <a:lnSpc>
+                <a:spcPct val="90000"/>
+              </a:lnSpc>
+              <a:spcBef>
+                <a:spcPts val="500"/>
+              </a:spcBef>
+              <a:buFont typeface="Arial" panose="020B0604020202020204" pitchFamily="34" charset="0"/>
+              <a:buNone/>
+              <a:defRPr sz="1600" kern="1200">
+                <a:solidFill>
+                  <a:schemeClr val="tx1"/>
+                </a:solidFill>
+                <a:latin typeface="+mn-lt"/>
+                <a:ea typeface="+mn-ea"/>
+                <a:cs typeface="+mn-cs"/>
+              </a:defRPr>
+            </a:lvl9pPr>
+          </a:lstStyle>
+          <a:p>
+            <a:pPr>
+              <a:lnSpc>
+                <a:spcPct val="110000"/>
+              </a:lnSpc>
+            </a:pPr>
+            <a:r>
+              <a:rPr lang="es-CO" sz="1400" dirty="0"/>
+              <a:t>He has a </a:t>
+            </a:r>
+            <a:r>
+              <a:rPr lang="es-CO" sz="1400" dirty="0" err="1"/>
+              <a:t>Wondeful</a:t>
+            </a:r>
+            <a:r>
+              <a:rPr lang="es-CO" sz="1400" dirty="0"/>
+              <a:t> home</a:t>
+            </a:r>
+          </a:p>
+        </p:txBody>
+      </p:sp>
       <p:pic>
         <p:nvPicPr>
-          <p:cNvPr id="15" name="Imagen 14" descr="Diagrama&#10;&#10;Descripción generada automáticamente">
-            <a:extLst>
-              <a:ext uri="{FF2B5EF4-FFF2-40B4-BE49-F238E27FC236}">
-                <a16:creationId xmlns:a16="http://schemas.microsoft.com/office/drawing/2014/main" id="{E33DCEF3-9401-49C0-BB48-5411C746C09C}"/>
+          <p:cNvPr id="4" name="Imagen 3" descr="Un dibujo de una persona&#10;&#10;Descripción generada automáticamente con confianza baja">
+            <a:extLst>
+              <a:ext uri="{FF2B5EF4-FFF2-40B4-BE49-F238E27FC236}">
+                <a16:creationId xmlns:a16="http://schemas.microsoft.com/office/drawing/2014/main" id="{861DE8E5-38ED-4B73-9876-9E1CCCC2706A}"/>
               </a:ext>
             </a:extLst>
           </p:cNvPr>
@@ -6475,20 +6971,225 @@
         </p:blipFill>
         <p:spPr>
           <a:xfrm>
-            <a:off x="350096" y="4275980"/>
-            <a:ext cx="1149906" cy="1149906"/>
+            <a:off x="1393334" y="3613731"/>
+            <a:ext cx="1070787" cy="1070787"/>
           </a:xfrm>
           <a:prstGeom prst="rect">
             <a:avLst/>
           </a:prstGeom>
         </p:spPr>
       </p:pic>
+      <p:sp>
+        <p:nvSpPr>
+          <p:cNvPr id="16" name="Subtítulo 2">
+            <a:extLst>
+              <a:ext uri="{FF2B5EF4-FFF2-40B4-BE49-F238E27FC236}">
+                <a16:creationId xmlns:a16="http://schemas.microsoft.com/office/drawing/2014/main" id="{845E632D-B9B1-4D78-AF2C-47DAA4E2E9AB}"/>
+              </a:ext>
+            </a:extLst>
+          </p:cNvPr>
+          <p:cNvSpPr txBox="1">
+            <a:spLocks/>
+          </p:cNvSpPr>
+          <p:nvPr/>
+        </p:nvSpPr>
+        <p:spPr>
+          <a:xfrm>
+            <a:off x="921224" y="4684518"/>
+            <a:ext cx="2271017" cy="254344"/>
+          </a:xfrm>
+          <a:prstGeom prst="rect">
+            <a:avLst/>
+          </a:prstGeom>
+        </p:spPr>
+        <p:txBody>
+          <a:bodyPr vert="horz" lIns="91440" tIns="45720" rIns="91440" bIns="45720" rtlCol="0" anchor="t">
+            <a:noAutofit/>
+          </a:bodyPr>
+          <a:lstStyle>
+            <a:lvl1pPr marL="0" indent="0" algn="l" defTabSz="914400" rtl="0" eaLnBrk="1" latinLnBrk="0" hangingPunct="1">
+              <a:lnSpc>
+                <a:spcPct val="120000"/>
+              </a:lnSpc>
+              <a:spcBef>
+                <a:spcPts val="1000"/>
+              </a:spcBef>
+              <a:buFont typeface="Arial" panose="020B0604020202020204" pitchFamily="34" charset="0"/>
+              <a:buNone/>
+              <a:defRPr sz="2000" kern="1200">
+                <a:solidFill>
+                  <a:schemeClr val="tx1"/>
+                </a:solidFill>
+                <a:latin typeface="+mn-lt"/>
+                <a:ea typeface="+mn-ea"/>
+                <a:cs typeface="+mn-cs"/>
+              </a:defRPr>
+            </a:lvl1pPr>
+            <a:lvl2pPr marL="457200" indent="0" algn="ctr" defTabSz="914400" rtl="0" eaLnBrk="1" latinLnBrk="0" hangingPunct="1">
+              <a:lnSpc>
+                <a:spcPct val="120000"/>
+              </a:lnSpc>
+              <a:spcBef>
+                <a:spcPts val="500"/>
+              </a:spcBef>
+              <a:buFont typeface="Arial" panose="020B0604020202020204" pitchFamily="34" charset="0"/>
+              <a:buNone/>
+              <a:defRPr sz="2000" kern="1200">
+                <a:solidFill>
+                  <a:schemeClr val="tx1"/>
+                </a:solidFill>
+                <a:latin typeface="+mn-lt"/>
+                <a:ea typeface="+mn-ea"/>
+                <a:cs typeface="+mn-cs"/>
+              </a:defRPr>
+            </a:lvl2pPr>
+            <a:lvl3pPr marL="914400" indent="0" algn="ctr" defTabSz="914400" rtl="0" eaLnBrk="1" latinLnBrk="0" hangingPunct="1">
+              <a:lnSpc>
+                <a:spcPct val="120000"/>
+              </a:lnSpc>
+              <a:spcBef>
+                <a:spcPts val="500"/>
+              </a:spcBef>
+              <a:buFont typeface="Arial" panose="020B0604020202020204" pitchFamily="34" charset="0"/>
+              <a:buNone/>
+              <a:defRPr sz="1800" kern="1200">
+                <a:solidFill>
+                  <a:schemeClr val="tx1"/>
+                </a:solidFill>
+                <a:latin typeface="+mn-lt"/>
+                <a:ea typeface="+mn-ea"/>
+                <a:cs typeface="+mn-cs"/>
+              </a:defRPr>
+            </a:lvl3pPr>
+            <a:lvl4pPr marL="1371600" indent="0" algn="ctr" defTabSz="914400" rtl="0" eaLnBrk="1" latinLnBrk="0" hangingPunct="1">
+              <a:lnSpc>
+                <a:spcPct val="120000"/>
+              </a:lnSpc>
+              <a:spcBef>
+                <a:spcPts val="500"/>
+              </a:spcBef>
+              <a:buFont typeface="Arial" panose="020B0604020202020204" pitchFamily="34" charset="0"/>
+              <a:buNone/>
+              <a:defRPr sz="1600" kern="1200">
+                <a:solidFill>
+                  <a:schemeClr val="tx1"/>
+                </a:solidFill>
+                <a:latin typeface="+mn-lt"/>
+                <a:ea typeface="+mn-ea"/>
+                <a:cs typeface="+mn-cs"/>
+              </a:defRPr>
+            </a:lvl4pPr>
+            <a:lvl5pPr marL="1828800" indent="0" algn="ctr" defTabSz="914400" rtl="0" eaLnBrk="1" latinLnBrk="0" hangingPunct="1">
+              <a:lnSpc>
+                <a:spcPct val="120000"/>
+              </a:lnSpc>
+              <a:spcBef>
+                <a:spcPts val="500"/>
+              </a:spcBef>
+              <a:buFont typeface="Arial" panose="020B0604020202020204" pitchFamily="34" charset="0"/>
+              <a:buNone/>
+              <a:defRPr sz="1600" kern="1200">
+                <a:solidFill>
+                  <a:schemeClr val="tx1"/>
+                </a:solidFill>
+                <a:latin typeface="+mn-lt"/>
+                <a:ea typeface="+mn-ea"/>
+                <a:cs typeface="+mn-cs"/>
+              </a:defRPr>
+            </a:lvl5pPr>
+            <a:lvl6pPr marL="2286000" indent="0" algn="ctr" defTabSz="914400" rtl="0" eaLnBrk="1" latinLnBrk="0" hangingPunct="1">
+              <a:lnSpc>
+                <a:spcPct val="90000"/>
+              </a:lnSpc>
+              <a:spcBef>
+                <a:spcPts val="500"/>
+              </a:spcBef>
+              <a:buFont typeface="Arial" panose="020B0604020202020204" pitchFamily="34" charset="0"/>
+              <a:buNone/>
+              <a:defRPr sz="1600" kern="1200">
+                <a:solidFill>
+                  <a:schemeClr val="tx1"/>
+                </a:solidFill>
+                <a:latin typeface="+mn-lt"/>
+                <a:ea typeface="+mn-ea"/>
+                <a:cs typeface="+mn-cs"/>
+              </a:defRPr>
+            </a:lvl6pPr>
+            <a:lvl7pPr marL="2743200" indent="0" algn="ctr" defTabSz="914400" rtl="0" eaLnBrk="1" latinLnBrk="0" hangingPunct="1">
+              <a:lnSpc>
+                <a:spcPct val="90000"/>
+              </a:lnSpc>
+              <a:spcBef>
+                <a:spcPts val="500"/>
+              </a:spcBef>
+              <a:buFont typeface="Arial" panose="020B0604020202020204" pitchFamily="34" charset="0"/>
+              <a:buNone/>
+              <a:defRPr sz="1600" kern="1200">
+                <a:solidFill>
+                  <a:schemeClr val="tx1"/>
+                </a:solidFill>
+                <a:latin typeface="+mn-lt"/>
+                <a:ea typeface="+mn-ea"/>
+                <a:cs typeface="+mn-cs"/>
+              </a:defRPr>
+            </a:lvl7pPr>
+            <a:lvl8pPr marL="3200400" indent="0" algn="ctr" defTabSz="914400" rtl="0" eaLnBrk="1" latinLnBrk="0" hangingPunct="1">
+              <a:lnSpc>
+                <a:spcPct val="90000"/>
+              </a:lnSpc>
+              <a:spcBef>
+                <a:spcPts val="500"/>
+              </a:spcBef>
+              <a:buFont typeface="Arial" panose="020B0604020202020204" pitchFamily="34" charset="0"/>
+              <a:buNone/>
+              <a:defRPr sz="1600" kern="1200">
+                <a:solidFill>
+                  <a:schemeClr val="tx1"/>
+                </a:solidFill>
+                <a:latin typeface="+mn-lt"/>
+                <a:ea typeface="+mn-ea"/>
+                <a:cs typeface="+mn-cs"/>
+              </a:defRPr>
+            </a:lvl8pPr>
+            <a:lvl9pPr marL="3657600" indent="0" algn="ctr" defTabSz="914400" rtl="0" eaLnBrk="1" latinLnBrk="0" hangingPunct="1">
+              <a:lnSpc>
+                <a:spcPct val="90000"/>
+              </a:lnSpc>
+              <a:spcBef>
+                <a:spcPts val="500"/>
+              </a:spcBef>
+              <a:buFont typeface="Arial" panose="020B0604020202020204" pitchFamily="34" charset="0"/>
+              <a:buNone/>
+              <a:defRPr sz="1600" kern="1200">
+                <a:solidFill>
+                  <a:schemeClr val="tx1"/>
+                </a:solidFill>
+                <a:latin typeface="+mn-lt"/>
+                <a:ea typeface="+mn-ea"/>
+                <a:cs typeface="+mn-cs"/>
+              </a:defRPr>
+            </a:lvl9pPr>
+          </a:lstStyle>
+          <a:p>
+            <a:pPr algn="ctr">
+              <a:lnSpc>
+                <a:spcPct val="110000"/>
+              </a:lnSpc>
+            </a:pPr>
+            <a:r>
+              <a:rPr lang="es-CO" sz="1400" dirty="0" err="1"/>
+              <a:t>Garage</a:t>
+            </a:r>
+            <a:endParaRPr lang="es-CO" sz="1400" dirty="0"/>
+          </a:p>
+        </p:txBody>
+      </p:sp>
       <p:pic>
         <p:nvPicPr>
-          <p:cNvPr id="27" name="Imagen 26" descr="Imagen que contiene Diagrama&#10;&#10;Descripción generada automáticamente">
-            <a:extLst>
-              <a:ext uri="{FF2B5EF4-FFF2-40B4-BE49-F238E27FC236}">
-                <a16:creationId xmlns:a16="http://schemas.microsoft.com/office/drawing/2014/main" id="{20A2714F-47A9-46C3-AA47-F64EBD4BD5CF}"/>
+          <p:cNvPr id="8" name="Imagen 7" descr="Un dibujo de una persona&#10;&#10;Descripción generada automáticamente con confianza media">
+            <a:extLst>
+              <a:ext uri="{FF2B5EF4-FFF2-40B4-BE49-F238E27FC236}">
+                <a16:creationId xmlns:a16="http://schemas.microsoft.com/office/drawing/2014/main" id="{4D34F926-CFA3-4E81-8E72-79DA70AFEA0E}"/>
               </a:ext>
             </a:extLst>
           </p:cNvPr>
@@ -6511,20 +7212,229 @@
         </p:blipFill>
         <p:spPr>
           <a:xfrm>
-            <a:off x="2087440" y="2434577"/>
-            <a:ext cx="1443822" cy="1224882"/>
+            <a:off x="1028017" y="4811690"/>
+            <a:ext cx="1608651" cy="1608651"/>
           </a:xfrm>
           <a:prstGeom prst="rect">
             <a:avLst/>
           </a:prstGeom>
         </p:spPr>
       </p:pic>
+      <p:sp>
+        <p:nvSpPr>
+          <p:cNvPr id="18" name="Subtítulo 2">
+            <a:extLst>
+              <a:ext uri="{FF2B5EF4-FFF2-40B4-BE49-F238E27FC236}">
+                <a16:creationId xmlns:a16="http://schemas.microsoft.com/office/drawing/2014/main" id="{77D51D67-3754-4A5C-A105-F1EEC80197E2}"/>
+              </a:ext>
+            </a:extLst>
+          </p:cNvPr>
+          <p:cNvSpPr txBox="1">
+            <a:spLocks/>
+          </p:cNvSpPr>
+          <p:nvPr/>
+        </p:nvSpPr>
+        <p:spPr>
+          <a:xfrm>
+            <a:off x="940939" y="6242254"/>
+            <a:ext cx="2271017" cy="254344"/>
+          </a:xfrm>
+          <a:prstGeom prst="rect">
+            <a:avLst/>
+          </a:prstGeom>
+        </p:spPr>
+        <p:txBody>
+          <a:bodyPr vert="horz" lIns="91440" tIns="45720" rIns="91440" bIns="45720" rtlCol="0" anchor="t">
+            <a:noAutofit/>
+          </a:bodyPr>
+          <a:lstStyle>
+            <a:lvl1pPr marL="0" indent="0" algn="l" defTabSz="914400" rtl="0" eaLnBrk="1" latinLnBrk="0" hangingPunct="1">
+              <a:lnSpc>
+                <a:spcPct val="120000"/>
+              </a:lnSpc>
+              <a:spcBef>
+                <a:spcPts val="1000"/>
+              </a:spcBef>
+              <a:buFont typeface="Arial" panose="020B0604020202020204" pitchFamily="34" charset="0"/>
+              <a:buNone/>
+              <a:defRPr sz="2000" kern="1200">
+                <a:solidFill>
+                  <a:schemeClr val="tx1"/>
+                </a:solidFill>
+                <a:latin typeface="+mn-lt"/>
+                <a:ea typeface="+mn-ea"/>
+                <a:cs typeface="+mn-cs"/>
+              </a:defRPr>
+            </a:lvl1pPr>
+            <a:lvl2pPr marL="457200" indent="0" algn="ctr" defTabSz="914400" rtl="0" eaLnBrk="1" latinLnBrk="0" hangingPunct="1">
+              <a:lnSpc>
+                <a:spcPct val="120000"/>
+              </a:lnSpc>
+              <a:spcBef>
+                <a:spcPts val="500"/>
+              </a:spcBef>
+              <a:buFont typeface="Arial" panose="020B0604020202020204" pitchFamily="34" charset="0"/>
+              <a:buNone/>
+              <a:defRPr sz="2000" kern="1200">
+                <a:solidFill>
+                  <a:schemeClr val="tx1"/>
+                </a:solidFill>
+                <a:latin typeface="+mn-lt"/>
+                <a:ea typeface="+mn-ea"/>
+                <a:cs typeface="+mn-cs"/>
+              </a:defRPr>
+            </a:lvl2pPr>
+            <a:lvl3pPr marL="914400" indent="0" algn="ctr" defTabSz="914400" rtl="0" eaLnBrk="1" latinLnBrk="0" hangingPunct="1">
+              <a:lnSpc>
+                <a:spcPct val="120000"/>
+              </a:lnSpc>
+              <a:spcBef>
+                <a:spcPts val="500"/>
+              </a:spcBef>
+              <a:buFont typeface="Arial" panose="020B0604020202020204" pitchFamily="34" charset="0"/>
+              <a:buNone/>
+              <a:defRPr sz="1800" kern="1200">
+                <a:solidFill>
+                  <a:schemeClr val="tx1"/>
+                </a:solidFill>
+                <a:latin typeface="+mn-lt"/>
+                <a:ea typeface="+mn-ea"/>
+                <a:cs typeface="+mn-cs"/>
+              </a:defRPr>
+            </a:lvl3pPr>
+            <a:lvl4pPr marL="1371600" indent="0" algn="ctr" defTabSz="914400" rtl="0" eaLnBrk="1" latinLnBrk="0" hangingPunct="1">
+              <a:lnSpc>
+                <a:spcPct val="120000"/>
+              </a:lnSpc>
+              <a:spcBef>
+                <a:spcPts val="500"/>
+              </a:spcBef>
+              <a:buFont typeface="Arial" panose="020B0604020202020204" pitchFamily="34" charset="0"/>
+              <a:buNone/>
+              <a:defRPr sz="1600" kern="1200">
+                <a:solidFill>
+                  <a:schemeClr val="tx1"/>
+                </a:solidFill>
+                <a:latin typeface="+mn-lt"/>
+                <a:ea typeface="+mn-ea"/>
+                <a:cs typeface="+mn-cs"/>
+              </a:defRPr>
+            </a:lvl4pPr>
+            <a:lvl5pPr marL="1828800" indent="0" algn="ctr" defTabSz="914400" rtl="0" eaLnBrk="1" latinLnBrk="0" hangingPunct="1">
+              <a:lnSpc>
+                <a:spcPct val="120000"/>
+              </a:lnSpc>
+              <a:spcBef>
+                <a:spcPts val="500"/>
+              </a:spcBef>
+              <a:buFont typeface="Arial" panose="020B0604020202020204" pitchFamily="34" charset="0"/>
+              <a:buNone/>
+              <a:defRPr sz="1600" kern="1200">
+                <a:solidFill>
+                  <a:schemeClr val="tx1"/>
+                </a:solidFill>
+                <a:latin typeface="+mn-lt"/>
+                <a:ea typeface="+mn-ea"/>
+                <a:cs typeface="+mn-cs"/>
+              </a:defRPr>
+            </a:lvl5pPr>
+            <a:lvl6pPr marL="2286000" indent="0" algn="ctr" defTabSz="914400" rtl="0" eaLnBrk="1" latinLnBrk="0" hangingPunct="1">
+              <a:lnSpc>
+                <a:spcPct val="90000"/>
+              </a:lnSpc>
+              <a:spcBef>
+                <a:spcPts val="500"/>
+              </a:spcBef>
+              <a:buFont typeface="Arial" panose="020B0604020202020204" pitchFamily="34" charset="0"/>
+              <a:buNone/>
+              <a:defRPr sz="1600" kern="1200">
+                <a:solidFill>
+                  <a:schemeClr val="tx1"/>
+                </a:solidFill>
+                <a:latin typeface="+mn-lt"/>
+                <a:ea typeface="+mn-ea"/>
+                <a:cs typeface="+mn-cs"/>
+              </a:defRPr>
+            </a:lvl6pPr>
+            <a:lvl7pPr marL="2743200" indent="0" algn="ctr" defTabSz="914400" rtl="0" eaLnBrk="1" latinLnBrk="0" hangingPunct="1">
+              <a:lnSpc>
+                <a:spcPct val="90000"/>
+              </a:lnSpc>
+              <a:spcBef>
+                <a:spcPts val="500"/>
+              </a:spcBef>
+              <a:buFont typeface="Arial" panose="020B0604020202020204" pitchFamily="34" charset="0"/>
+              <a:buNone/>
+              <a:defRPr sz="1600" kern="1200">
+                <a:solidFill>
+                  <a:schemeClr val="tx1"/>
+                </a:solidFill>
+                <a:latin typeface="+mn-lt"/>
+                <a:ea typeface="+mn-ea"/>
+                <a:cs typeface="+mn-cs"/>
+              </a:defRPr>
+            </a:lvl7pPr>
+            <a:lvl8pPr marL="3200400" indent="0" algn="ctr" defTabSz="914400" rtl="0" eaLnBrk="1" latinLnBrk="0" hangingPunct="1">
+              <a:lnSpc>
+                <a:spcPct val="90000"/>
+              </a:lnSpc>
+              <a:spcBef>
+                <a:spcPts val="500"/>
+              </a:spcBef>
+              <a:buFont typeface="Arial" panose="020B0604020202020204" pitchFamily="34" charset="0"/>
+              <a:buNone/>
+              <a:defRPr sz="1600" kern="1200">
+                <a:solidFill>
+                  <a:schemeClr val="tx1"/>
+                </a:solidFill>
+                <a:latin typeface="+mn-lt"/>
+                <a:ea typeface="+mn-ea"/>
+                <a:cs typeface="+mn-cs"/>
+              </a:defRPr>
+            </a:lvl8pPr>
+            <a:lvl9pPr marL="3657600" indent="0" algn="ctr" defTabSz="914400" rtl="0" eaLnBrk="1" latinLnBrk="0" hangingPunct="1">
+              <a:lnSpc>
+                <a:spcPct val="90000"/>
+              </a:lnSpc>
+              <a:spcBef>
+                <a:spcPts val="500"/>
+              </a:spcBef>
+              <a:buFont typeface="Arial" panose="020B0604020202020204" pitchFamily="34" charset="0"/>
+              <a:buNone/>
+              <a:defRPr sz="1600" kern="1200">
+                <a:solidFill>
+                  <a:schemeClr val="tx1"/>
+                </a:solidFill>
+                <a:latin typeface="+mn-lt"/>
+                <a:ea typeface="+mn-ea"/>
+                <a:cs typeface="+mn-cs"/>
+              </a:defRPr>
+            </a:lvl9pPr>
+          </a:lstStyle>
+          <a:p>
+            <a:pPr algn="ctr">
+              <a:lnSpc>
+                <a:spcPct val="110000"/>
+              </a:lnSpc>
+            </a:pPr>
+            <a:r>
+              <a:rPr lang="es-CO" sz="1400" dirty="0"/>
+              <a:t>Modern </a:t>
+            </a:r>
+            <a:r>
+              <a:rPr lang="es-CO" sz="1400" dirty="0" err="1"/>
+              <a:t>Styles</a:t>
+            </a:r>
+            <a:endParaRPr lang="es-CO" sz="1400" dirty="0"/>
+          </a:p>
+        </p:txBody>
+      </p:sp>
       <p:pic>
         <p:nvPicPr>
-          <p:cNvPr id="29" name="Imagen 28" descr="Dibujo en blanco y negro&#10;&#10;Descripción generada automáticamente con confianza media">
-            <a:extLst>
-              <a:ext uri="{FF2B5EF4-FFF2-40B4-BE49-F238E27FC236}">
-                <a16:creationId xmlns:a16="http://schemas.microsoft.com/office/drawing/2014/main" id="{F1828A33-14CB-45EF-AE7C-A3CE7A0FBD2D}"/>
+          <p:cNvPr id="10" name="Imagen 9">
+            <a:extLst>
+              <a:ext uri="{FF2B5EF4-FFF2-40B4-BE49-F238E27FC236}">
+                <a16:creationId xmlns:a16="http://schemas.microsoft.com/office/drawing/2014/main" id="{6DBC0050-F04D-427C-B713-4CA637ED7C2A}"/>
               </a:ext>
             </a:extLst>
           </p:cNvPr>
@@ -6547,20 +7457,245 @@
         </p:blipFill>
         <p:spPr>
           <a:xfrm>
-            <a:off x="2087440" y="4058125"/>
-            <a:ext cx="1369326" cy="1224882"/>
+            <a:off x="4741327" y="3551649"/>
+            <a:ext cx="2559544" cy="1819342"/>
           </a:xfrm>
           <a:prstGeom prst="rect">
             <a:avLst/>
           </a:prstGeom>
         </p:spPr>
       </p:pic>
+      <p:sp>
+        <p:nvSpPr>
+          <p:cNvPr id="21" name="Subtítulo 2">
+            <a:extLst>
+              <a:ext uri="{FF2B5EF4-FFF2-40B4-BE49-F238E27FC236}">
+                <a16:creationId xmlns:a16="http://schemas.microsoft.com/office/drawing/2014/main" id="{6E7509FF-4501-4E99-8A2C-DF13E4A99CEC}"/>
+              </a:ext>
+            </a:extLst>
+          </p:cNvPr>
+          <p:cNvSpPr txBox="1">
+            <a:spLocks/>
+          </p:cNvSpPr>
+          <p:nvPr/>
+        </p:nvSpPr>
+        <p:spPr>
+          <a:xfrm>
+            <a:off x="1229375" y="3445487"/>
+            <a:ext cx="2271017" cy="254344"/>
+          </a:xfrm>
+          <a:prstGeom prst="rect">
+            <a:avLst/>
+          </a:prstGeom>
+        </p:spPr>
+        <p:txBody>
+          <a:bodyPr vert="horz" lIns="91440" tIns="45720" rIns="91440" bIns="45720" rtlCol="0" anchor="t">
+            <a:noAutofit/>
+          </a:bodyPr>
+          <a:lstStyle>
+            <a:lvl1pPr marL="0" indent="0" algn="l" defTabSz="914400" rtl="0" eaLnBrk="1" latinLnBrk="0" hangingPunct="1">
+              <a:lnSpc>
+                <a:spcPct val="120000"/>
+              </a:lnSpc>
+              <a:spcBef>
+                <a:spcPts val="1000"/>
+              </a:spcBef>
+              <a:buFont typeface="Arial" panose="020B0604020202020204" pitchFamily="34" charset="0"/>
+              <a:buNone/>
+              <a:defRPr sz="2000" kern="1200">
+                <a:solidFill>
+                  <a:schemeClr val="tx1"/>
+                </a:solidFill>
+                <a:latin typeface="+mn-lt"/>
+                <a:ea typeface="+mn-ea"/>
+                <a:cs typeface="+mn-cs"/>
+              </a:defRPr>
+            </a:lvl1pPr>
+            <a:lvl2pPr marL="457200" indent="0" algn="ctr" defTabSz="914400" rtl="0" eaLnBrk="1" latinLnBrk="0" hangingPunct="1">
+              <a:lnSpc>
+                <a:spcPct val="120000"/>
+              </a:lnSpc>
+              <a:spcBef>
+                <a:spcPts val="500"/>
+              </a:spcBef>
+              <a:buFont typeface="Arial" panose="020B0604020202020204" pitchFamily="34" charset="0"/>
+              <a:buNone/>
+              <a:defRPr sz="2000" kern="1200">
+                <a:solidFill>
+                  <a:schemeClr val="tx1"/>
+                </a:solidFill>
+                <a:latin typeface="+mn-lt"/>
+                <a:ea typeface="+mn-ea"/>
+                <a:cs typeface="+mn-cs"/>
+              </a:defRPr>
+            </a:lvl2pPr>
+            <a:lvl3pPr marL="914400" indent="0" algn="ctr" defTabSz="914400" rtl="0" eaLnBrk="1" latinLnBrk="0" hangingPunct="1">
+              <a:lnSpc>
+                <a:spcPct val="120000"/>
+              </a:lnSpc>
+              <a:spcBef>
+                <a:spcPts val="500"/>
+              </a:spcBef>
+              <a:buFont typeface="Arial" panose="020B0604020202020204" pitchFamily="34" charset="0"/>
+              <a:buNone/>
+              <a:defRPr sz="1800" kern="1200">
+                <a:solidFill>
+                  <a:schemeClr val="tx1"/>
+                </a:solidFill>
+                <a:latin typeface="+mn-lt"/>
+                <a:ea typeface="+mn-ea"/>
+                <a:cs typeface="+mn-cs"/>
+              </a:defRPr>
+            </a:lvl3pPr>
+            <a:lvl4pPr marL="1371600" indent="0" algn="ctr" defTabSz="914400" rtl="0" eaLnBrk="1" latinLnBrk="0" hangingPunct="1">
+              <a:lnSpc>
+                <a:spcPct val="120000"/>
+              </a:lnSpc>
+              <a:spcBef>
+                <a:spcPts val="500"/>
+              </a:spcBef>
+              <a:buFont typeface="Arial" panose="020B0604020202020204" pitchFamily="34" charset="0"/>
+              <a:buNone/>
+              <a:defRPr sz="1600" kern="1200">
+                <a:solidFill>
+                  <a:schemeClr val="tx1"/>
+                </a:solidFill>
+                <a:latin typeface="+mn-lt"/>
+                <a:ea typeface="+mn-ea"/>
+                <a:cs typeface="+mn-cs"/>
+              </a:defRPr>
+            </a:lvl4pPr>
+            <a:lvl5pPr marL="1828800" indent="0" algn="ctr" defTabSz="914400" rtl="0" eaLnBrk="1" latinLnBrk="0" hangingPunct="1">
+              <a:lnSpc>
+                <a:spcPct val="120000"/>
+              </a:lnSpc>
+              <a:spcBef>
+                <a:spcPts val="500"/>
+              </a:spcBef>
+              <a:buFont typeface="Arial" panose="020B0604020202020204" pitchFamily="34" charset="0"/>
+              <a:buNone/>
+              <a:defRPr sz="1600" kern="1200">
+                <a:solidFill>
+                  <a:schemeClr val="tx1"/>
+                </a:solidFill>
+                <a:latin typeface="+mn-lt"/>
+                <a:ea typeface="+mn-ea"/>
+                <a:cs typeface="+mn-cs"/>
+              </a:defRPr>
+            </a:lvl5pPr>
+            <a:lvl6pPr marL="2286000" indent="0" algn="ctr" defTabSz="914400" rtl="0" eaLnBrk="1" latinLnBrk="0" hangingPunct="1">
+              <a:lnSpc>
+                <a:spcPct val="90000"/>
+              </a:lnSpc>
+              <a:spcBef>
+                <a:spcPts val="500"/>
+              </a:spcBef>
+              <a:buFont typeface="Arial" panose="020B0604020202020204" pitchFamily="34" charset="0"/>
+              <a:buNone/>
+              <a:defRPr sz="1600" kern="1200">
+                <a:solidFill>
+                  <a:schemeClr val="tx1"/>
+                </a:solidFill>
+                <a:latin typeface="+mn-lt"/>
+                <a:ea typeface="+mn-ea"/>
+                <a:cs typeface="+mn-cs"/>
+              </a:defRPr>
+            </a:lvl6pPr>
+            <a:lvl7pPr marL="2743200" indent="0" algn="ctr" defTabSz="914400" rtl="0" eaLnBrk="1" latinLnBrk="0" hangingPunct="1">
+              <a:lnSpc>
+                <a:spcPct val="90000"/>
+              </a:lnSpc>
+              <a:spcBef>
+                <a:spcPts val="500"/>
+              </a:spcBef>
+              <a:buFont typeface="Arial" panose="020B0604020202020204" pitchFamily="34" charset="0"/>
+              <a:buNone/>
+              <a:defRPr sz="1600" kern="1200">
+                <a:solidFill>
+                  <a:schemeClr val="tx1"/>
+                </a:solidFill>
+                <a:latin typeface="+mn-lt"/>
+                <a:ea typeface="+mn-ea"/>
+                <a:cs typeface="+mn-cs"/>
+              </a:defRPr>
+            </a:lvl7pPr>
+            <a:lvl8pPr marL="3200400" indent="0" algn="ctr" defTabSz="914400" rtl="0" eaLnBrk="1" latinLnBrk="0" hangingPunct="1">
+              <a:lnSpc>
+                <a:spcPct val="90000"/>
+              </a:lnSpc>
+              <a:spcBef>
+                <a:spcPts val="500"/>
+              </a:spcBef>
+              <a:buFont typeface="Arial" panose="020B0604020202020204" pitchFamily="34" charset="0"/>
+              <a:buNone/>
+              <a:defRPr sz="1600" kern="1200">
+                <a:solidFill>
+                  <a:schemeClr val="tx1"/>
+                </a:solidFill>
+                <a:latin typeface="+mn-lt"/>
+                <a:ea typeface="+mn-ea"/>
+                <a:cs typeface="+mn-cs"/>
+              </a:defRPr>
+            </a:lvl8pPr>
+            <a:lvl9pPr marL="3657600" indent="0" algn="ctr" defTabSz="914400" rtl="0" eaLnBrk="1" latinLnBrk="0" hangingPunct="1">
+              <a:lnSpc>
+                <a:spcPct val="90000"/>
+              </a:lnSpc>
+              <a:spcBef>
+                <a:spcPts val="500"/>
+              </a:spcBef>
+              <a:buFont typeface="Arial" panose="020B0604020202020204" pitchFamily="34" charset="0"/>
+              <a:buNone/>
+              <a:defRPr sz="1600" kern="1200">
+                <a:solidFill>
+                  <a:schemeClr val="tx1"/>
+                </a:solidFill>
+                <a:latin typeface="+mn-lt"/>
+                <a:ea typeface="+mn-ea"/>
+                <a:cs typeface="+mn-cs"/>
+              </a:defRPr>
+            </a:lvl9pPr>
+          </a:lstStyle>
+          <a:p>
+            <a:pPr>
+              <a:lnSpc>
+                <a:spcPct val="110000"/>
+              </a:lnSpc>
+            </a:pPr>
+            <a:r>
+              <a:rPr lang="es-CO" sz="1400" dirty="0"/>
+              <a:t>More </a:t>
+            </a:r>
+            <a:r>
+              <a:rPr lang="es-CO" sz="1400" dirty="0" err="1"/>
+              <a:t>than</a:t>
+            </a:r>
+            <a:r>
+              <a:rPr lang="es-CO" sz="1400" dirty="0"/>
+              <a:t> </a:t>
+            </a:r>
+            <a:r>
+              <a:rPr lang="es-CO" sz="1400" dirty="0" err="1"/>
+              <a:t>seven</a:t>
+            </a:r>
+            <a:r>
+              <a:rPr lang="es-CO" sz="1400" dirty="0"/>
+              <a:t> </a:t>
+            </a:r>
+            <a:r>
+              <a:rPr lang="es-CO" sz="1400" dirty="0" err="1"/>
+              <a:t>stairs</a:t>
+            </a:r>
+            <a:endParaRPr lang="es-CO" sz="1400" dirty="0"/>
+          </a:p>
+        </p:txBody>
+      </p:sp>
       <p:pic>
         <p:nvPicPr>
-          <p:cNvPr id="32" name="Imagen 31" descr="Un hombre con una guitarra en la mano&#10;&#10;Descripción generada automáticamente con confianza media">
-            <a:extLst>
-              <a:ext uri="{FF2B5EF4-FFF2-40B4-BE49-F238E27FC236}">
-                <a16:creationId xmlns:a16="http://schemas.microsoft.com/office/drawing/2014/main" id="{ED14396B-3EAA-4F83-82EA-AEE91ED415E3}"/>
+          <p:cNvPr id="14" name="Imagen 13" descr="Texto&#10;&#10;Descripción generada automáticamente">
+            <a:extLst>
+              <a:ext uri="{FF2B5EF4-FFF2-40B4-BE49-F238E27FC236}">
+                <a16:creationId xmlns:a16="http://schemas.microsoft.com/office/drawing/2014/main" id="{1B192B7D-82EF-4802-8BE9-56A57CC6F299}"/>
               </a:ext>
             </a:extLst>
           </p:cNvPr>
@@ -6583,8 +7718,8 @@
         </p:blipFill>
         <p:spPr>
           <a:xfrm>
-            <a:off x="8944900" y="2889424"/>
-            <a:ext cx="3371565" cy="2191516"/>
+            <a:off x="5308963" y="193362"/>
+            <a:ext cx="3018388" cy="2392399"/>
           </a:xfrm>
           <a:prstGeom prst="rect">
             <a:avLst/>
